--- a/Proposal 2.pptx
+++ b/Proposal 2.pptx
@@ -8,6 +8,7 @@
     <p:sldId id="256" r:id="rId2"/>
     <p:sldId id="257" r:id="rId3"/>
     <p:sldId id="258" r:id="rId4"/>
+    <p:sldId id="259" r:id="rId5"/>
   </p:sldIdLst>
   <p:sldSz cx="12192000" cy="6858000"/>
   <p:notesSz cx="6858000" cy="9144000"/>
@@ -106,7 +107,79 @@
       </a:defRPr>
     </a:lvl9pPr>
   </p:defaultTextStyle>
+  <p:extLst>
+    <p:ext uri="{EFAFB233-063F-42B5-8137-9DF3F51BA10A}">
+      <p15:sldGuideLst xmlns:p15="http://schemas.microsoft.com/office/powerpoint/2012/main"/>
+    </p:ext>
+  </p:extLst>
 </p:presentation>
+</file>
+
+<file path=ppt/changesInfos/changesInfo1.xml><?xml version="1.0" encoding="utf-8"?>
+<pc:chgInfo xmlns:a="http://schemas.openxmlformats.org/drawingml/2006/main" xmlns:r="http://schemas.openxmlformats.org/officeDocument/2006/relationships" xmlns:ac="http://schemas.microsoft.com/office/drawing/2013/main/command" xmlns:pc="http://schemas.microsoft.com/office/powerpoint/2013/main/command">
+  <pc:docChgLst>
+    <pc:chgData name="Camilla Lucero" userId="f439bb5a6a9b328f" providerId="LiveId" clId="{681F3B5C-AB4B-4874-B380-6420DC4F8C24}"/>
+    <pc:docChg chg="custSel addSld delSld modSld">
+      <pc:chgData name="Camilla Lucero" userId="f439bb5a6a9b328f" providerId="LiveId" clId="{681F3B5C-AB4B-4874-B380-6420DC4F8C24}" dt="2022-10-12T16:01:55.278" v="789" actId="20577"/>
+      <pc:docMkLst>
+        <pc:docMk/>
+      </pc:docMkLst>
+      <pc:sldChg chg="del">
+        <pc:chgData name="Camilla Lucero" userId="f439bb5a6a9b328f" providerId="LiveId" clId="{681F3B5C-AB4B-4874-B380-6420DC4F8C24}" dt="2022-10-12T15:56:59.896" v="0" actId="47"/>
+        <pc:sldMkLst>
+          <pc:docMk/>
+          <pc:sldMk cId="1518828469" sldId="258"/>
+        </pc:sldMkLst>
+      </pc:sldChg>
+      <pc:sldChg chg="modSp new mod">
+        <pc:chgData name="Camilla Lucero" userId="f439bb5a6a9b328f" providerId="LiveId" clId="{681F3B5C-AB4B-4874-B380-6420DC4F8C24}" dt="2022-10-12T16:01:55.278" v="789" actId="20577"/>
+        <pc:sldMkLst>
+          <pc:docMk/>
+          <pc:sldMk cId="3966944102" sldId="258"/>
+        </pc:sldMkLst>
+        <pc:spChg chg="mod">
+          <ac:chgData name="Camilla Lucero" userId="f439bb5a6a9b328f" providerId="LiveId" clId="{681F3B5C-AB4B-4874-B380-6420DC4F8C24}" dt="2022-10-12T15:57:18.711" v="41" actId="20577"/>
+          <ac:spMkLst>
+            <pc:docMk/>
+            <pc:sldMk cId="3966944102" sldId="258"/>
+            <ac:spMk id="2" creationId="{5FA23800-F3F8-93BB-0742-EBCE078FFDE7}"/>
+          </ac:spMkLst>
+        </pc:spChg>
+        <pc:spChg chg="mod">
+          <ac:chgData name="Camilla Lucero" userId="f439bb5a6a9b328f" providerId="LiveId" clId="{681F3B5C-AB4B-4874-B380-6420DC4F8C24}" dt="2022-10-12T16:01:55.278" v="789" actId="20577"/>
+          <ac:spMkLst>
+            <pc:docMk/>
+            <pc:sldMk cId="3966944102" sldId="258"/>
+            <ac:spMk id="3" creationId="{24942370-DC8C-FADF-0990-843F6DC11958}"/>
+          </ac:spMkLst>
+        </pc:spChg>
+      </pc:sldChg>
+      <pc:sldChg chg="modSp new mod">
+        <pc:chgData name="Camilla Lucero" userId="f439bb5a6a9b328f" providerId="LiveId" clId="{681F3B5C-AB4B-4874-B380-6420DC4F8C24}" dt="2022-10-12T16:00:52.631" v="576" actId="20577"/>
+        <pc:sldMkLst>
+          <pc:docMk/>
+          <pc:sldMk cId="2244753768" sldId="259"/>
+        </pc:sldMkLst>
+        <pc:spChg chg="mod">
+          <ac:chgData name="Camilla Lucero" userId="f439bb5a6a9b328f" providerId="LiveId" clId="{681F3B5C-AB4B-4874-B380-6420DC4F8C24}" dt="2022-10-12T16:00:18.839" v="483" actId="20577"/>
+          <ac:spMkLst>
+            <pc:docMk/>
+            <pc:sldMk cId="2244753768" sldId="259"/>
+            <ac:spMk id="2" creationId="{B7ABF9FE-3379-1B60-C3E4-D4FBDB152464}"/>
+          </ac:spMkLst>
+        </pc:spChg>
+        <pc:spChg chg="mod">
+          <ac:chgData name="Camilla Lucero" userId="f439bb5a6a9b328f" providerId="LiveId" clId="{681F3B5C-AB4B-4874-B380-6420DC4F8C24}" dt="2022-10-12T16:00:52.631" v="576" actId="20577"/>
+          <ac:spMkLst>
+            <pc:docMk/>
+            <pc:sldMk cId="2244753768" sldId="259"/>
+            <ac:spMk id="3" creationId="{A868449F-1CB8-93A7-D17C-56A99C08E087}"/>
+          </ac:spMkLst>
+        </pc:spChg>
+      </pc:sldChg>
+    </pc:docChg>
+  </pc:docChgLst>
+</pc:chgInfo>
 </file>
 
 <file path=ppt/slideLayouts/slideLayout1.xml><?xml version="1.0" encoding="utf-8"?>
@@ -337,7 +410,7 @@
           <a:p>
             <a:fld id="{5A069CB8-F204-4D06-B913-C5A26A89888A}" type="datetimeFigureOut">
               <a:rPr lang="en-US" dirty="0"/>
-              <a:t>10/11/2022</a:t>
+              <a:t>10/12/2022</a:t>
             </a:fld>
             <a:endParaRPr lang="en-US" dirty="0"/>
           </a:p>
@@ -540,7 +613,7 @@
           <a:p>
             <a:fld id="{50B6E300-0A13-4A81-945A-7333C271A069}" type="datetimeFigureOut">
               <a:rPr lang="en-US" dirty="0"/>
-              <a:t>10/11/2022</a:t>
+              <a:t>10/12/2022</a:t>
             </a:fld>
             <a:endParaRPr lang="en-US" dirty="0"/>
           </a:p>
@@ -793,7 +866,7 @@
           <a:p>
             <a:fld id="{34671962-1EA4-46E7-BCB0-F36CE46D1A59}" type="datetimeFigureOut">
               <a:rPr lang="en-US" dirty="0"/>
-              <a:t>10/11/2022</a:t>
+              <a:t>10/12/2022</a:t>
             </a:fld>
             <a:endParaRPr lang="en-US" dirty="0"/>
           </a:p>
@@ -958,7 +1031,7 @@
           <a:p>
             <a:fld id="{D30BB376-B19C-488D-ABEB-03C7E6E9E3E0}" type="datetimeFigureOut">
               <a:rPr lang="en-US" dirty="0"/>
-              <a:t>10/11/2022</a:t>
+              <a:t>10/12/2022</a:t>
             </a:fld>
             <a:endParaRPr lang="en-US" dirty="0"/>
           </a:p>
@@ -1290,7 +1363,7 @@
           <a:p>
             <a:fld id="{486F077B-A50F-4D64-8574-E2D6A98A5553}" type="datetimeFigureOut">
               <a:rPr lang="en-US" dirty="0"/>
-              <a:t>10/11/2022</a:t>
+              <a:t>10/12/2022</a:t>
             </a:fld>
             <a:endParaRPr lang="en-US" dirty="0"/>
           </a:p>
@@ -1560,7 +1633,7 @@
           <a:p>
             <a:fld id="{7D9E2A62-1983-43A1-A163-D8AA46534C80}" type="datetimeFigureOut">
               <a:rPr lang="en-US" dirty="0"/>
-              <a:t>10/11/2022</a:t>
+              <a:t>10/12/2022</a:t>
             </a:fld>
             <a:endParaRPr lang="en-US" dirty="0"/>
           </a:p>
@@ -1934,7 +2007,7 @@
           <a:p>
             <a:fld id="{898F3E3B-34E3-4345-B2A1-994B83598A9C}" type="datetimeFigureOut">
               <a:rPr lang="en-US" dirty="0"/>
-              <a:t>10/11/2022</a:t>
+              <a:t>10/12/2022</a:t>
             </a:fld>
             <a:endParaRPr lang="en-US" dirty="0"/>
           </a:p>
@@ -2047,7 +2120,7 @@
           <a:p>
             <a:fld id="{FD816C96-82A1-4D77-8ADA-627AC6FE3D65}" type="datetimeFigureOut">
               <a:rPr lang="en-US" dirty="0"/>
-              <a:t>10/11/2022</a:t>
+              <a:t>10/12/2022</a:t>
             </a:fld>
             <a:endParaRPr lang="en-US" dirty="0"/>
           </a:p>
@@ -2215,7 +2288,7 @@
           <a:p>
             <a:fld id="{1D102C1E-28F2-47E9-802D-339E64E2F920}" type="datetimeFigureOut">
               <a:rPr lang="en-US" dirty="0"/>
-              <a:t>10/11/2022</a:t>
+              <a:t>10/12/2022</a:t>
             </a:fld>
             <a:endParaRPr lang="en-US" dirty="0"/>
           </a:p>
@@ -2567,7 +2640,7 @@
           <a:p>
             <a:fld id="{24271A48-F18A-45B3-BC05-1E27DA3F88AF}" type="datetimeFigureOut">
               <a:rPr lang="en-US" dirty="0"/>
-              <a:t>10/11/2022</a:t>
+              <a:t>10/12/2022</a:t>
             </a:fld>
             <a:endParaRPr lang="en-US" dirty="0"/>
           </a:p>
@@ -2942,7 +3015,7 @@
           <a:p>
             <a:fld id="{65B747F8-9654-4282-85D2-65F41AAE7A75}" type="datetimeFigureOut">
               <a:rPr lang="en-US" dirty="0"/>
-              <a:t>10/11/2022</a:t>
+              <a:t>10/12/2022</a:t>
             </a:fld>
             <a:endParaRPr lang="en-US" dirty="0"/>
           </a:p>
@@ -3226,7 +3299,7 @@
           <a:p>
             <a:fld id="{5DC5B261-8843-42D1-AAFC-05E20E2D9B97}" type="datetimeFigureOut">
               <a:rPr lang="en-US" dirty="0"/>
-              <a:t>10/11/2022</a:t>
+              <a:t>10/12/2022</a:t>
             </a:fld>
             <a:endParaRPr lang="en-US" dirty="0"/>
           </a:p>
@@ -4022,10 +4095,219 @@
           <a:chExt cx="0" cy="0"/>
         </a:xfrm>
       </p:grpSpPr>
+      <p:sp>
+        <p:nvSpPr>
+          <p:cNvPr id="2" name="Title 1">
+            <a:extLst>
+              <a:ext uri="{FF2B5EF4-FFF2-40B4-BE49-F238E27FC236}">
+                <a16:creationId xmlns:a16="http://schemas.microsoft.com/office/drawing/2014/main" id="{5FA23800-F3F8-93BB-0742-EBCE078FFDE7}"/>
+              </a:ext>
+            </a:extLst>
+          </p:cNvPr>
+          <p:cNvSpPr>
+            <a:spLocks noGrp="1"/>
+          </p:cNvSpPr>
+          <p:nvPr>
+            <p:ph type="title"/>
+          </p:nvPr>
+        </p:nvSpPr>
+        <p:spPr/>
+        <p:txBody>
+          <a:bodyPr/>
+          <a:lstStyle/>
+          <a:p>
+            <a:r>
+              <a:rPr lang="en-US" dirty="0"/>
+              <a:t>Why Do These Changes Matter?</a:t>
+            </a:r>
+          </a:p>
+        </p:txBody>
+      </p:sp>
+      <p:sp>
+        <p:nvSpPr>
+          <p:cNvPr id="3" name="Content Placeholder 2">
+            <a:extLst>
+              <a:ext uri="{FF2B5EF4-FFF2-40B4-BE49-F238E27FC236}">
+                <a16:creationId xmlns:a16="http://schemas.microsoft.com/office/drawing/2014/main" id="{24942370-DC8C-FADF-0990-843F6DC11958}"/>
+              </a:ext>
+            </a:extLst>
+          </p:cNvPr>
+          <p:cNvSpPr>
+            <a:spLocks noGrp="1"/>
+          </p:cNvSpPr>
+          <p:nvPr>
+            <p:ph idx="1"/>
+          </p:nvPr>
+        </p:nvSpPr>
+        <p:spPr/>
+        <p:txBody>
+          <a:bodyPr/>
+          <a:lstStyle/>
+          <a:p>
+            <a:pPr>
+              <a:buFont typeface="Arial" panose="020B0604020202020204" pitchFamily="34" charset="0"/>
+              <a:buChar char="•"/>
+            </a:pPr>
+            <a:r>
+              <a:rPr lang="en-US" dirty="0"/>
+              <a:t> Our changes that we plan to execute by next week will start setting up the main parts of our game. </a:t>
+            </a:r>
+          </a:p>
+          <a:p>
+            <a:pPr lvl="1">
+              <a:buFont typeface="Arial" panose="020B0604020202020204" pitchFamily="34" charset="0"/>
+              <a:buChar char="•"/>
+            </a:pPr>
+            <a:r>
+              <a:rPr lang="en-US" dirty="0"/>
+              <a:t>They will set up our main two enemies for the first level, both code and visually.</a:t>
+            </a:r>
+          </a:p>
+          <a:p>
+            <a:pPr lvl="1">
+              <a:buFont typeface="Arial" panose="020B0604020202020204" pitchFamily="34" charset="0"/>
+              <a:buChar char="•"/>
+            </a:pPr>
+            <a:r>
+              <a:rPr lang="en-US" dirty="0"/>
+              <a:t>They will start adding playability via weapons and health systems</a:t>
+            </a:r>
+          </a:p>
+          <a:p>
+            <a:pPr lvl="1">
+              <a:buFont typeface="Arial" panose="020B0604020202020204" pitchFamily="34" charset="0"/>
+              <a:buChar char="•"/>
+            </a:pPr>
+            <a:r>
+              <a:rPr lang="en-US" dirty="0"/>
+              <a:t>They will over all start making our game look like a game!</a:t>
+            </a:r>
+          </a:p>
+          <a:p>
+            <a:pPr lvl="1">
+              <a:buFont typeface="Arial" panose="020B0604020202020204" pitchFamily="34" charset="0"/>
+              <a:buChar char="•"/>
+            </a:pPr>
+            <a:endParaRPr lang="en-US" dirty="0"/>
+          </a:p>
+          <a:p>
+            <a:pPr>
+              <a:buFont typeface="Arial" panose="020B0604020202020204" pitchFamily="34" charset="0"/>
+              <a:buChar char="•"/>
+            </a:pPr>
+            <a:r>
+              <a:rPr lang="en-US" dirty="0"/>
+              <a:t>This is important because it will start giving our game personality besides just moving boxes and give our game functions and things for </a:t>
+            </a:r>
+            <a:r>
+              <a:rPr lang="en-US"/>
+              <a:t>the player to do.</a:t>
+            </a:r>
+            <a:endParaRPr lang="en-US" dirty="0"/>
+          </a:p>
+          <a:p>
+            <a:pPr lvl="1">
+              <a:buFont typeface="Arial" panose="020B0604020202020204" pitchFamily="34" charset="0"/>
+              <a:buChar char="•"/>
+            </a:pPr>
+            <a:endParaRPr lang="en-US" dirty="0"/>
+          </a:p>
+        </p:txBody>
+      </p:sp>
     </p:spTree>
     <p:extLst>
       <p:ext uri="{BB962C8B-B14F-4D97-AF65-F5344CB8AC3E}">
-        <p14:creationId xmlns:p14="http://schemas.microsoft.com/office/powerpoint/2010/main" val="1518828469"/>
+        <p14:creationId xmlns:p14="http://schemas.microsoft.com/office/powerpoint/2010/main" val="3966944102"/>
+      </p:ext>
+    </p:extLst>
+  </p:cSld>
+  <p:clrMapOvr>
+    <a:masterClrMapping/>
+  </p:clrMapOvr>
+</p:sld>
+</file>
+
+<file path=ppt/slides/slide4.xml><?xml version="1.0" encoding="utf-8"?>
+<p:sld xmlns:a="http://schemas.openxmlformats.org/drawingml/2006/main" xmlns:r="http://schemas.openxmlformats.org/officeDocument/2006/relationships" xmlns:p="http://schemas.openxmlformats.org/presentationml/2006/main">
+  <p:cSld>
+    <p:spTree>
+      <p:nvGrpSpPr>
+        <p:cNvPr id="1" name=""/>
+        <p:cNvGrpSpPr/>
+        <p:nvPr/>
+      </p:nvGrpSpPr>
+      <p:grpSpPr>
+        <a:xfrm>
+          <a:off x="0" y="0"/>
+          <a:ext cx="0" cy="0"/>
+          <a:chOff x="0" y="0"/>
+          <a:chExt cx="0" cy="0"/>
+        </a:xfrm>
+      </p:grpSpPr>
+      <p:sp>
+        <p:nvSpPr>
+          <p:cNvPr id="2" name="Title 1">
+            <a:extLst>
+              <a:ext uri="{FF2B5EF4-FFF2-40B4-BE49-F238E27FC236}">
+                <a16:creationId xmlns:a16="http://schemas.microsoft.com/office/drawing/2014/main" id="{B7ABF9FE-3379-1B60-C3E4-D4FBDB152464}"/>
+              </a:ext>
+            </a:extLst>
+          </p:cNvPr>
+          <p:cNvSpPr>
+            <a:spLocks noGrp="1"/>
+          </p:cNvSpPr>
+          <p:nvPr>
+            <p:ph type="title"/>
+          </p:nvPr>
+        </p:nvSpPr>
+        <p:spPr/>
+        <p:txBody>
+          <a:bodyPr/>
+          <a:lstStyle/>
+          <a:p>
+            <a:r>
+              <a:rPr lang="en-US" dirty="0"/>
+              <a:t>Icons for Next Week</a:t>
+            </a:r>
+          </a:p>
+        </p:txBody>
+      </p:sp>
+      <p:sp>
+        <p:nvSpPr>
+          <p:cNvPr id="3" name="Content Placeholder 2">
+            <a:extLst>
+              <a:ext uri="{FF2B5EF4-FFF2-40B4-BE49-F238E27FC236}">
+                <a16:creationId xmlns:a16="http://schemas.microsoft.com/office/drawing/2014/main" id="{A868449F-1CB8-93A7-D17C-56A99C08E087}"/>
+              </a:ext>
+            </a:extLst>
+          </p:cNvPr>
+          <p:cNvSpPr>
+            <a:spLocks noGrp="1"/>
+          </p:cNvSpPr>
+          <p:nvPr>
+            <p:ph idx="1"/>
+          </p:nvPr>
+        </p:nvSpPr>
+        <p:spPr/>
+        <p:txBody>
+          <a:bodyPr/>
+          <a:lstStyle/>
+          <a:p>
+            <a:pPr>
+              <a:buFont typeface="Arial" panose="020B0604020202020204" pitchFamily="34" charset="0"/>
+              <a:buChar char="•"/>
+            </a:pPr>
+            <a:r>
+              <a:rPr lang="en-US" dirty="0"/>
+              <a:t> We don’t have any picked out currently, but they will be picked out by next Wednesday!</a:t>
+            </a:r>
+          </a:p>
+        </p:txBody>
+      </p:sp>
+    </p:spTree>
+    <p:extLst>
+      <p:ext uri="{BB962C8B-B14F-4D97-AF65-F5344CB8AC3E}">
+        <p14:creationId xmlns:p14="http://schemas.microsoft.com/office/powerpoint/2010/main" val="2244753768"/>
       </p:ext>
     </p:extLst>
   </p:cSld>
